--- a/Jenkins.pptx
+++ b/Jenkins.pptx
@@ -8,6 +8,16 @@
     <p:sldId id="256" r:id="rId2"/>
     <p:sldId id="257" r:id="rId3"/>
     <p:sldId id="258" r:id="rId4"/>
+    <p:sldId id="259" r:id="rId5"/>
+    <p:sldId id="260" r:id="rId6"/>
+    <p:sldId id="265" r:id="rId7"/>
+    <p:sldId id="267" r:id="rId8"/>
+    <p:sldId id="266" r:id="rId9"/>
+    <p:sldId id="262" r:id="rId10"/>
+    <p:sldId id="261" r:id="rId11"/>
+    <p:sldId id="263" r:id="rId12"/>
+    <p:sldId id="264" r:id="rId13"/>
+    <p:sldId id="268" r:id="rId14"/>
   </p:sldIdLst>
   <p:sldSz cx="9144000" cy="6858000" type="screen4x3"/>
   <p:notesSz cx="6858000" cy="9144000"/>
@@ -401,7 +411,7 @@
             <a:fld id="{74CBEAF9-9E58-4CC8-A6FF-6DD8A58DEEA4}" type="datetimeFigureOut">
               <a:rPr lang="en-US" smtClean="0"/>
               <a:pPr/>
-              <a:t>3/14/2017</a:t>
+              <a:t>3/21/2017</a:t>
             </a:fld>
             <a:endParaRPr lang="en-US"/>
           </a:p>
@@ -594,7 +604,7 @@
             <a:fld id="{74CBEAF9-9E58-4CC8-A6FF-6DD8A58DEEA4}" type="datetimeFigureOut">
               <a:rPr lang="en-US" smtClean="0"/>
               <a:pPr/>
-              <a:t>3/14/2017</a:t>
+              <a:t>3/21/2017</a:t>
             </a:fld>
             <a:endParaRPr lang="en-US"/>
           </a:p>
@@ -781,7 +791,7 @@
             <a:fld id="{74CBEAF9-9E58-4CC8-A6FF-6DD8A58DEEA4}" type="datetimeFigureOut">
               <a:rPr lang="en-US" smtClean="0"/>
               <a:pPr/>
-              <a:t>3/14/2017</a:t>
+              <a:t>3/21/2017</a:t>
             </a:fld>
             <a:endParaRPr lang="en-US"/>
           </a:p>
@@ -1046,7 +1056,7 @@
             <a:fld id="{74CBEAF9-9E58-4CC8-A6FF-6DD8A58DEEA4}" type="datetimeFigureOut">
               <a:rPr lang="en-US" smtClean="0"/>
               <a:pPr/>
-              <a:t>3/14/2017</a:t>
+              <a:t>3/21/2017</a:t>
             </a:fld>
             <a:endParaRPr lang="en-US"/>
           </a:p>
@@ -1464,7 +1474,7 @@
             <a:fld id="{74CBEAF9-9E58-4CC8-A6FF-6DD8A58DEEA4}" type="datetimeFigureOut">
               <a:rPr lang="en-US" smtClean="0"/>
               <a:pPr/>
-              <a:t>3/14/2017</a:t>
+              <a:t>3/21/2017</a:t>
             </a:fld>
             <a:endParaRPr lang="en-US"/>
           </a:p>
@@ -1708,7 +1718,7 @@
             <a:fld id="{74CBEAF9-9E58-4CC8-A6FF-6DD8A58DEEA4}" type="datetimeFigureOut">
               <a:rPr lang="en-US" smtClean="0"/>
               <a:pPr/>
-              <a:t>3/14/2017</a:t>
+              <a:t>3/21/2017</a:t>
             </a:fld>
             <a:endParaRPr lang="en-US"/>
           </a:p>
@@ -1946,7 +1956,7 @@
             <a:fld id="{74CBEAF9-9E58-4CC8-A6FF-6DD8A58DEEA4}" type="datetimeFigureOut">
               <a:rPr lang="en-US" smtClean="0"/>
               <a:pPr/>
-              <a:t>3/14/2017</a:t>
+              <a:t>3/21/2017</a:t>
             </a:fld>
             <a:endParaRPr lang="en-US"/>
           </a:p>
@@ -2143,7 +2153,7 @@
             <a:fld id="{74CBEAF9-9E58-4CC8-A6FF-6DD8A58DEEA4}" type="datetimeFigureOut">
               <a:rPr lang="en-US" smtClean="0"/>
               <a:pPr/>
-              <a:t>3/14/2017</a:t>
+              <a:t>3/21/2017</a:t>
             </a:fld>
             <a:endParaRPr lang="en-US"/>
           </a:p>
@@ -2243,7 +2253,7 @@
             <a:fld id="{74CBEAF9-9E58-4CC8-A6FF-6DD8A58DEEA4}" type="datetimeFigureOut">
               <a:rPr lang="en-US" smtClean="0"/>
               <a:pPr/>
-              <a:t>3/14/2017</a:t>
+              <a:t>3/21/2017</a:t>
             </a:fld>
             <a:endParaRPr lang="en-US"/>
           </a:p>
@@ -2381,7 +2391,7 @@
             <a:fld id="{74CBEAF9-9E58-4CC8-A6FF-6DD8A58DEEA4}" type="datetimeFigureOut">
               <a:rPr lang="en-US" smtClean="0"/>
               <a:pPr/>
-              <a:t>3/14/2017</a:t>
+              <a:t>3/21/2017</a:t>
             </a:fld>
             <a:endParaRPr lang="en-US"/>
           </a:p>
@@ -2901,7 +2911,7 @@
             <a:fld id="{74CBEAF9-9E58-4CC8-A6FF-6DD8A58DEEA4}" type="datetimeFigureOut">
               <a:rPr lang="en-US" smtClean="0"/>
               <a:pPr/>
-              <a:t>3/14/2017</a:t>
+              <a:t>3/21/2017</a:t>
             </a:fld>
             <a:endParaRPr lang="en-US"/>
           </a:p>
@@ -3165,7 +3175,7 @@
             <a:fld id="{74CBEAF9-9E58-4CC8-A6FF-6DD8A58DEEA4}" type="datetimeFigureOut">
               <a:rPr lang="en-US" smtClean="0"/>
               <a:pPr algn="l" eaLnBrk="1" latinLnBrk="0" hangingPunct="1"/>
-              <a:t>3/14/2017</a:t>
+              <a:t>3/21/2017</a:t>
             </a:fld>
             <a:endParaRPr lang="en-US" dirty="0">
               <a:solidFill>
@@ -3778,6 +3788,408 @@
 </p:sld>
 </file>
 
+<file path=ppt/slides/slide10.xml><?xml version="1.0" encoding="utf-8"?>
+<p:sld xmlns:a="http://schemas.openxmlformats.org/drawingml/2006/main" xmlns:r="http://schemas.openxmlformats.org/officeDocument/2006/relationships" xmlns:p="http://schemas.openxmlformats.org/presentationml/2006/main">
+  <p:cSld>
+    <p:spTree>
+      <p:nvGrpSpPr>
+        <p:cNvPr id="1" name=""/>
+        <p:cNvGrpSpPr/>
+        <p:nvPr/>
+      </p:nvGrpSpPr>
+      <p:grpSpPr>
+        <a:xfrm>
+          <a:off x="0" y="0"/>
+          <a:ext cx="0" cy="0"/>
+          <a:chOff x="0" y="0"/>
+          <a:chExt cx="0" cy="0"/>
+        </a:xfrm>
+      </p:grpSpPr>
+      <p:sp>
+        <p:nvSpPr>
+          <p:cNvPr id="2" name="Title 1"/>
+          <p:cNvSpPr>
+            <a:spLocks noGrp="1"/>
+          </p:cNvSpPr>
+          <p:nvPr>
+            <p:ph type="ctrTitle"/>
+          </p:nvPr>
+        </p:nvSpPr>
+        <p:spPr>
+          <a:xfrm>
+            <a:off x="1907704" y="1484784"/>
+            <a:ext cx="6477000" cy="1828800"/>
+          </a:xfrm>
+        </p:spPr>
+        <p:txBody>
+          <a:bodyPr>
+            <a:normAutofit fontScale="90000"/>
+          </a:bodyPr>
+          <a:lstStyle/>
+          <a:p>
+            <a:r>
+              <a:rPr lang="en-GB" dirty="0" smtClean="0"/>
+              <a:t>How to start </a:t>
+            </a:r>
+            <a:r>
+              <a:rPr lang="en-GB" dirty="0" err="1" smtClean="0"/>
+              <a:t>jenkins</a:t>
+            </a:r>
+            <a:r>
+              <a:rPr lang="en-GB" dirty="0" smtClean="0"/>
+              <a:t> in a different port like port 9090 ?</a:t>
+            </a:r>
+            <a:endParaRPr lang="en-GB" dirty="0"/>
+          </a:p>
+        </p:txBody>
+      </p:sp>
+      <p:sp>
+        <p:nvSpPr>
+          <p:cNvPr id="3" name="Subtitle 2"/>
+          <p:cNvSpPr>
+            <a:spLocks noGrp="1"/>
+          </p:cNvSpPr>
+          <p:nvPr>
+            <p:ph type="subTitle" idx="1"/>
+          </p:nvPr>
+        </p:nvSpPr>
+        <p:spPr>
+          <a:xfrm>
+            <a:off x="2267744" y="4221088"/>
+            <a:ext cx="6705600" cy="1434629"/>
+          </a:xfrm>
+        </p:spPr>
+        <p:txBody>
+          <a:bodyPr>
+            <a:normAutofit lnSpcReduction="10000"/>
+          </a:bodyPr>
+          <a:lstStyle/>
+          <a:p>
+            <a:r>
+              <a:rPr lang="en-GB" dirty="0" smtClean="0"/>
+              <a:t>Go to the folder where </a:t>
+            </a:r>
+            <a:r>
+              <a:rPr lang="en-GB" dirty="0" err="1" smtClean="0"/>
+              <a:t>jenkins.war</a:t>
+            </a:r>
+            <a:r>
+              <a:rPr lang="en-GB" dirty="0" smtClean="0"/>
+              <a:t> file is</a:t>
+            </a:r>
+          </a:p>
+          <a:p>
+            <a:r>
+              <a:rPr lang="en-GB" dirty="0" smtClean="0"/>
+              <a:t>java -jar </a:t>
+            </a:r>
+            <a:r>
+              <a:rPr lang="en-GB" dirty="0" err="1" smtClean="0"/>
+              <a:t>jenkins.war</a:t>
+            </a:r>
+            <a:r>
+              <a:rPr lang="en-GB" dirty="0" smtClean="0"/>
+              <a:t> --</a:t>
+            </a:r>
+            <a:r>
+              <a:rPr lang="en-GB" dirty="0" err="1" smtClean="0"/>
+              <a:t>httpPort</a:t>
+            </a:r>
+            <a:r>
+              <a:rPr lang="en-GB" dirty="0" smtClean="0"/>
+              <a:t>=9090   or</a:t>
+            </a:r>
+          </a:p>
+          <a:p>
+            <a:r>
+              <a:rPr lang="en-GB" dirty="0" smtClean="0"/>
+              <a:t>java -jar </a:t>
+            </a:r>
+            <a:r>
+              <a:rPr lang="en-GB" dirty="0" err="1" smtClean="0"/>
+              <a:t>jenkins.war</a:t>
+            </a:r>
+            <a:r>
+              <a:rPr lang="en-GB" dirty="0" smtClean="0"/>
+              <a:t> --</a:t>
+            </a:r>
+            <a:r>
+              <a:rPr lang="en-GB" dirty="0" err="1" smtClean="0"/>
+              <a:t>httpsPort</a:t>
+            </a:r>
+            <a:r>
+              <a:rPr lang="en-GB" dirty="0" smtClean="0"/>
+              <a:t>=9090</a:t>
+            </a:r>
+            <a:endParaRPr lang="en-GB" dirty="0"/>
+          </a:p>
+        </p:txBody>
+      </p:sp>
+    </p:spTree>
+  </p:cSld>
+  <p:clrMapOvr>
+    <a:masterClrMapping/>
+  </p:clrMapOvr>
+</p:sld>
+</file>
+
+<file path=ppt/slides/slide11.xml><?xml version="1.0" encoding="utf-8"?>
+<p:sld xmlns:a="http://schemas.openxmlformats.org/drawingml/2006/main" xmlns:r="http://schemas.openxmlformats.org/officeDocument/2006/relationships" xmlns:p="http://schemas.openxmlformats.org/presentationml/2006/main">
+  <p:cSld>
+    <p:spTree>
+      <p:nvGrpSpPr>
+        <p:cNvPr id="1" name=""/>
+        <p:cNvGrpSpPr/>
+        <p:nvPr/>
+      </p:nvGrpSpPr>
+      <p:grpSpPr>
+        <a:xfrm>
+          <a:off x="0" y="0"/>
+          <a:ext cx="0" cy="0"/>
+          <a:chOff x="0" y="0"/>
+          <a:chExt cx="0" cy="0"/>
+        </a:xfrm>
+      </p:grpSpPr>
+      <p:sp>
+        <p:nvSpPr>
+          <p:cNvPr id="2" name="Title 1"/>
+          <p:cNvSpPr>
+            <a:spLocks noGrp="1"/>
+          </p:cNvSpPr>
+          <p:nvPr>
+            <p:ph type="ctrTitle"/>
+          </p:nvPr>
+        </p:nvSpPr>
+        <p:spPr>
+          <a:xfrm>
+            <a:off x="2051720" y="476672"/>
+            <a:ext cx="6477000" cy="1828800"/>
+          </a:xfrm>
+        </p:spPr>
+        <p:txBody>
+          <a:bodyPr/>
+          <a:lstStyle/>
+          <a:p>
+            <a:r>
+              <a:rPr lang="en-GB" dirty="0" smtClean="0"/>
+              <a:t>What is CI?</a:t>
+            </a:r>
+            <a:endParaRPr lang="en-GB" dirty="0"/>
+          </a:p>
+        </p:txBody>
+      </p:sp>
+      <p:sp>
+        <p:nvSpPr>
+          <p:cNvPr id="3" name="Subtitle 2"/>
+          <p:cNvSpPr>
+            <a:spLocks noGrp="1"/>
+          </p:cNvSpPr>
+          <p:nvPr>
+            <p:ph type="subTitle" idx="1"/>
+          </p:nvPr>
+        </p:nvSpPr>
+        <p:spPr>
+          <a:xfrm>
+            <a:off x="2267744" y="2564904"/>
+            <a:ext cx="6705600" cy="3522861"/>
+          </a:xfrm>
+        </p:spPr>
+        <p:txBody>
+          <a:bodyPr/>
+          <a:lstStyle/>
+          <a:p>
+            <a:pPr fontAlgn="base"/>
+            <a:r>
+              <a:rPr lang="en-GB" dirty="0" smtClean="0"/>
+              <a:t>Continuous Integration. CI is a practice where all the code is changed, and a version control system is built as soon as the change is found.</a:t>
+            </a:r>
+          </a:p>
+          <a:p>
+            <a:pPr fontAlgn="base"/>
+            <a:r>
+              <a:rPr lang="en-GB" dirty="0" smtClean="0"/>
+              <a:t>This helps us catch compilation errors, broken tests, and similar problems at an early stage. There are many CI servers available. One of the most popular ones is Jenkins. </a:t>
+            </a:r>
+          </a:p>
+          <a:p>
+            <a:endParaRPr lang="en-GB" dirty="0"/>
+          </a:p>
+        </p:txBody>
+      </p:sp>
+    </p:spTree>
+  </p:cSld>
+  <p:clrMapOvr>
+    <a:masterClrMapping/>
+  </p:clrMapOvr>
+</p:sld>
+</file>
+
+<file path=ppt/slides/slide12.xml><?xml version="1.0" encoding="utf-8"?>
+<p:sld xmlns:a="http://schemas.openxmlformats.org/drawingml/2006/main" xmlns:r="http://schemas.openxmlformats.org/officeDocument/2006/relationships" xmlns:p="http://schemas.openxmlformats.org/presentationml/2006/main">
+  <p:cSld>
+    <p:spTree>
+      <p:nvGrpSpPr>
+        <p:cNvPr id="1" name=""/>
+        <p:cNvGrpSpPr/>
+        <p:nvPr/>
+      </p:nvGrpSpPr>
+      <p:grpSpPr>
+        <a:xfrm>
+          <a:off x="0" y="0"/>
+          <a:ext cx="0" cy="0"/>
+          <a:chOff x="0" y="0"/>
+          <a:chExt cx="0" cy="0"/>
+        </a:xfrm>
+      </p:grpSpPr>
+      <p:sp>
+        <p:nvSpPr>
+          <p:cNvPr id="2" name="Title 1"/>
+          <p:cNvSpPr>
+            <a:spLocks noGrp="1"/>
+          </p:cNvSpPr>
+          <p:nvPr>
+            <p:ph type="ctrTitle"/>
+          </p:nvPr>
+        </p:nvSpPr>
+        <p:spPr/>
+        <p:txBody>
+          <a:bodyPr/>
+          <a:lstStyle/>
+          <a:p>
+            <a:r>
+              <a:rPr lang="en-GB" dirty="0" smtClean="0"/>
+              <a:t>Early name of </a:t>
+            </a:r>
+            <a:r>
+              <a:rPr lang="en-GB" dirty="0" err="1" smtClean="0"/>
+              <a:t>jenkins</a:t>
+            </a:r>
+            <a:r>
+              <a:rPr lang="en-GB" dirty="0" smtClean="0"/>
+              <a:t>?</a:t>
+            </a:r>
+            <a:endParaRPr lang="en-GB" dirty="0"/>
+          </a:p>
+        </p:txBody>
+      </p:sp>
+      <p:sp>
+        <p:nvSpPr>
+          <p:cNvPr id="3" name="Subtitle 2"/>
+          <p:cNvSpPr>
+            <a:spLocks noGrp="1"/>
+          </p:cNvSpPr>
+          <p:nvPr>
+            <p:ph type="subTitle" idx="1"/>
+          </p:nvPr>
+        </p:nvSpPr>
+        <p:spPr/>
+        <p:txBody>
+          <a:bodyPr/>
+          <a:lstStyle/>
+          <a:p>
+            <a:r>
+              <a:rPr lang="en-GB" dirty="0" err="1" smtClean="0"/>
+              <a:t>hudson</a:t>
+            </a:r>
+            <a:endParaRPr lang="en-GB" dirty="0"/>
+          </a:p>
+        </p:txBody>
+      </p:sp>
+    </p:spTree>
+  </p:cSld>
+  <p:clrMapOvr>
+    <a:masterClrMapping/>
+  </p:clrMapOvr>
+</p:sld>
+</file>
+
+<file path=ppt/slides/slide13.xml><?xml version="1.0" encoding="utf-8"?>
+<p:sld xmlns:a="http://schemas.openxmlformats.org/drawingml/2006/main" xmlns:r="http://schemas.openxmlformats.org/officeDocument/2006/relationships" xmlns:p="http://schemas.openxmlformats.org/presentationml/2006/main">
+  <p:cSld>
+    <p:spTree>
+      <p:nvGrpSpPr>
+        <p:cNvPr id="1" name=""/>
+        <p:cNvGrpSpPr/>
+        <p:nvPr/>
+      </p:nvGrpSpPr>
+      <p:grpSpPr>
+        <a:xfrm>
+          <a:off x="0" y="0"/>
+          <a:ext cx="0" cy="0"/>
+          <a:chOff x="0" y="0"/>
+          <a:chExt cx="0" cy="0"/>
+        </a:xfrm>
+      </p:grpSpPr>
+      <p:sp>
+        <p:nvSpPr>
+          <p:cNvPr id="2" name="Title 1"/>
+          <p:cNvSpPr>
+            <a:spLocks noGrp="1"/>
+          </p:cNvSpPr>
+          <p:nvPr>
+            <p:ph type="ctrTitle"/>
+          </p:nvPr>
+        </p:nvSpPr>
+        <p:spPr/>
+        <p:txBody>
+          <a:bodyPr>
+            <a:normAutofit fontScale="90000"/>
+          </a:bodyPr>
+          <a:lstStyle/>
+          <a:p>
+            <a:r>
+              <a:rPr lang="en-US" dirty="0" smtClean="0"/>
+              <a:t>For Good reports on </a:t>
+            </a:r>
+            <a:r>
+              <a:rPr lang="en-US" dirty="0" err="1" smtClean="0"/>
+              <a:t>jenkin</a:t>
+            </a:r>
+            <a:r>
+              <a:rPr lang="en-US" dirty="0" smtClean="0"/>
+              <a:t> go to </a:t>
+            </a:r>
+            <a:r>
+              <a:rPr lang="en-US" smtClean="0"/>
+              <a:t>website below</a:t>
+            </a:r>
+            <a:endParaRPr lang="en-GB" dirty="0"/>
+          </a:p>
+        </p:txBody>
+      </p:sp>
+      <p:sp>
+        <p:nvSpPr>
+          <p:cNvPr id="3" name="Subtitle 2"/>
+          <p:cNvSpPr>
+            <a:spLocks noGrp="1"/>
+          </p:cNvSpPr>
+          <p:nvPr>
+            <p:ph type="subTitle" idx="1"/>
+          </p:nvPr>
+        </p:nvSpPr>
+        <p:spPr/>
+        <p:txBody>
+          <a:bodyPr>
+            <a:normAutofit fontScale="92500"/>
+          </a:bodyPr>
+          <a:lstStyle/>
+          <a:p>
+            <a:r>
+              <a:rPr lang="en-GB" dirty="0" smtClean="0"/>
+              <a:t>https://github.com/jenkinsci/cucumber-reports-plugin</a:t>
+            </a:r>
+            <a:endParaRPr lang="en-GB" dirty="0"/>
+          </a:p>
+        </p:txBody>
+      </p:sp>
+    </p:spTree>
+  </p:cSld>
+  <p:clrMapOvr>
+    <a:masterClrMapping/>
+  </p:clrMapOvr>
+</p:sld>
+</file>
+
 <file path=ppt/slides/slide2.xml><?xml version="1.0" encoding="utf-8"?>
 <p:sld xmlns:a="http://schemas.openxmlformats.org/drawingml/2006/main" xmlns:r="http://schemas.openxmlformats.org/officeDocument/2006/relationships" xmlns:p="http://schemas.openxmlformats.org/presentationml/2006/main">
   <p:cSld>
@@ -3908,6 +4320,904 @@
               <a:rPr lang="en-US" dirty="0" smtClean="0"/>
               <a:t>For continuous integration</a:t>
             </a:r>
+            <a:endParaRPr lang="en-GB" dirty="0"/>
+          </a:p>
+        </p:txBody>
+      </p:sp>
+    </p:spTree>
+  </p:cSld>
+  <p:clrMapOvr>
+    <a:masterClrMapping/>
+  </p:clrMapOvr>
+</p:sld>
+</file>
+
+<file path=ppt/slides/slide4.xml><?xml version="1.0" encoding="utf-8"?>
+<p:sld xmlns:a="http://schemas.openxmlformats.org/drawingml/2006/main" xmlns:r="http://schemas.openxmlformats.org/officeDocument/2006/relationships" xmlns:p="http://schemas.openxmlformats.org/presentationml/2006/main">
+  <p:cSld>
+    <p:spTree>
+      <p:nvGrpSpPr>
+        <p:cNvPr id="1" name=""/>
+        <p:cNvGrpSpPr/>
+        <p:nvPr/>
+      </p:nvGrpSpPr>
+      <p:grpSpPr>
+        <a:xfrm>
+          <a:off x="0" y="0"/>
+          <a:ext cx="0" cy="0"/>
+          <a:chOff x="0" y="0"/>
+          <a:chExt cx="0" cy="0"/>
+        </a:xfrm>
+      </p:grpSpPr>
+      <p:sp>
+        <p:nvSpPr>
+          <p:cNvPr id="2" name="Title 1"/>
+          <p:cNvSpPr>
+            <a:spLocks noGrp="1"/>
+          </p:cNvSpPr>
+          <p:nvPr>
+            <p:ph type="ctrTitle"/>
+          </p:nvPr>
+        </p:nvSpPr>
+        <p:spPr/>
+        <p:txBody>
+          <a:bodyPr/>
+          <a:lstStyle/>
+          <a:p>
+            <a:r>
+              <a:rPr lang="en-GB" dirty="0" err="1" smtClean="0"/>
+              <a:t>Pol</a:t>
+            </a:r>
+            <a:r>
+              <a:rPr lang="en-GB" dirty="0" smtClean="0"/>
+              <a:t> </a:t>
+            </a:r>
+            <a:r>
+              <a:rPr lang="en-GB" dirty="0" err="1" smtClean="0"/>
+              <a:t>scm</a:t>
+            </a:r>
+            <a:r>
+              <a:rPr lang="en-GB" dirty="0" smtClean="0"/>
+              <a:t> command for one minute integration</a:t>
+            </a:r>
+            <a:endParaRPr lang="en-GB" dirty="0"/>
+          </a:p>
+        </p:txBody>
+      </p:sp>
+      <p:sp>
+        <p:nvSpPr>
+          <p:cNvPr id="3" name="Subtitle 2"/>
+          <p:cNvSpPr>
+            <a:spLocks noGrp="1"/>
+          </p:cNvSpPr>
+          <p:nvPr>
+            <p:ph type="subTitle" idx="1"/>
+          </p:nvPr>
+        </p:nvSpPr>
+        <p:spPr/>
+        <p:txBody>
+          <a:bodyPr/>
+          <a:lstStyle/>
+          <a:p>
+            <a:r>
+              <a:rPr lang="en-GB" dirty="0" smtClean="0"/>
+              <a:t>*/1 * * * *</a:t>
+            </a:r>
+            <a:endParaRPr lang="en-GB" dirty="0"/>
+          </a:p>
+        </p:txBody>
+      </p:sp>
+    </p:spTree>
+  </p:cSld>
+  <p:clrMapOvr>
+    <a:masterClrMapping/>
+  </p:clrMapOvr>
+</p:sld>
+</file>
+
+<file path=ppt/slides/slide5.xml><?xml version="1.0" encoding="utf-8"?>
+<p:sld xmlns:a="http://schemas.openxmlformats.org/drawingml/2006/main" xmlns:r="http://schemas.openxmlformats.org/officeDocument/2006/relationships" xmlns:p="http://schemas.openxmlformats.org/presentationml/2006/main">
+  <p:cSld>
+    <p:spTree>
+      <p:nvGrpSpPr>
+        <p:cNvPr id="1" name=""/>
+        <p:cNvGrpSpPr/>
+        <p:nvPr/>
+      </p:nvGrpSpPr>
+      <p:grpSpPr>
+        <a:xfrm>
+          <a:off x="0" y="0"/>
+          <a:ext cx="0" cy="0"/>
+          <a:chOff x="0" y="0"/>
+          <a:chExt cx="0" cy="0"/>
+        </a:xfrm>
+      </p:grpSpPr>
+      <p:sp>
+        <p:nvSpPr>
+          <p:cNvPr id="2" name="Title 1"/>
+          <p:cNvSpPr>
+            <a:spLocks noGrp="1"/>
+          </p:cNvSpPr>
+          <p:nvPr>
+            <p:ph type="ctrTitle"/>
+          </p:nvPr>
+        </p:nvSpPr>
+        <p:spPr/>
+        <p:txBody>
+          <a:bodyPr/>
+          <a:lstStyle/>
+          <a:p>
+            <a:r>
+              <a:rPr lang="en-GB" dirty="0" smtClean="0"/>
+              <a:t>How to open a </a:t>
+            </a:r>
+            <a:r>
+              <a:rPr lang="en-GB" dirty="0" err="1" smtClean="0"/>
+              <a:t>jenkins</a:t>
+            </a:r>
+            <a:r>
+              <a:rPr lang="en-GB" dirty="0" smtClean="0"/>
+              <a:t> </a:t>
+            </a:r>
+            <a:r>
+              <a:rPr lang="en-GB" dirty="0" err="1" smtClean="0"/>
+              <a:t>config</a:t>
+            </a:r>
+            <a:r>
+              <a:rPr lang="en-GB" dirty="0" smtClean="0"/>
+              <a:t> file</a:t>
+            </a:r>
+            <a:endParaRPr lang="en-GB" dirty="0"/>
+          </a:p>
+        </p:txBody>
+      </p:sp>
+      <p:sp>
+        <p:nvSpPr>
+          <p:cNvPr id="3" name="Subtitle 2"/>
+          <p:cNvSpPr>
+            <a:spLocks noGrp="1"/>
+          </p:cNvSpPr>
+          <p:nvPr>
+            <p:ph type="subTitle" idx="1"/>
+          </p:nvPr>
+        </p:nvSpPr>
+        <p:spPr/>
+        <p:txBody>
+          <a:bodyPr/>
+          <a:lstStyle/>
+          <a:p>
+            <a:r>
+              <a:rPr lang="en-GB" dirty="0" smtClean="0"/>
+              <a:t>http://localhost:9090/configureTools/</a:t>
+            </a:r>
+            <a:endParaRPr lang="en-GB" dirty="0"/>
+          </a:p>
+        </p:txBody>
+      </p:sp>
+    </p:spTree>
+  </p:cSld>
+  <p:clrMapOvr>
+    <a:masterClrMapping/>
+  </p:clrMapOvr>
+</p:sld>
+</file>
+
+<file path=ppt/slides/slide6.xml><?xml version="1.0" encoding="utf-8"?>
+<p:sld xmlns:a="http://schemas.openxmlformats.org/drawingml/2006/main" xmlns:r="http://schemas.openxmlformats.org/officeDocument/2006/relationships" xmlns:p="http://schemas.openxmlformats.org/presentationml/2006/main">
+  <p:cSld>
+    <p:spTree>
+      <p:nvGrpSpPr>
+        <p:cNvPr id="1" name=""/>
+        <p:cNvGrpSpPr/>
+        <p:nvPr/>
+      </p:nvGrpSpPr>
+      <p:grpSpPr>
+        <a:xfrm>
+          <a:off x="0" y="0"/>
+          <a:ext cx="0" cy="0"/>
+          <a:chOff x="0" y="0"/>
+          <a:chExt cx="0" cy="0"/>
+        </a:xfrm>
+      </p:grpSpPr>
+      <p:sp>
+        <p:nvSpPr>
+          <p:cNvPr id="2" name="Title 1"/>
+          <p:cNvSpPr>
+            <a:spLocks noGrp="1"/>
+          </p:cNvSpPr>
+          <p:nvPr>
+            <p:ph type="ctrTitle"/>
+          </p:nvPr>
+        </p:nvSpPr>
+        <p:spPr>
+          <a:xfrm>
+            <a:off x="683568" y="0"/>
+            <a:ext cx="6480720" cy="387424"/>
+          </a:xfrm>
+        </p:spPr>
+        <p:txBody>
+          <a:bodyPr>
+            <a:noAutofit/>
+          </a:bodyPr>
+          <a:lstStyle/>
+          <a:p>
+            <a:r>
+              <a:rPr lang="en-US" sz="1800" dirty="0" smtClean="0"/>
+              <a:t>MY LOCAL MAVEN INSTALLATION (CONTINUE ON NEXT PAGE)</a:t>
+            </a:r>
+            <a:endParaRPr lang="en-GB" sz="1800" dirty="0"/>
+          </a:p>
+        </p:txBody>
+      </p:sp>
+      <p:sp>
+        <p:nvSpPr>
+          <p:cNvPr id="3" name="Subtitle 2"/>
+          <p:cNvSpPr>
+            <a:spLocks noGrp="1"/>
+          </p:cNvSpPr>
+          <p:nvPr>
+            <p:ph type="subTitle" idx="1"/>
+          </p:nvPr>
+        </p:nvSpPr>
+        <p:spPr>
+          <a:xfrm>
+            <a:off x="611560" y="404664"/>
+            <a:ext cx="8784976" cy="5688632"/>
+          </a:xfrm>
+        </p:spPr>
+        <p:txBody>
+          <a:bodyPr>
+            <a:noAutofit/>
+          </a:bodyPr>
+          <a:lstStyle/>
+          <a:p>
+            <a:r>
+              <a:rPr lang="en-GB" sz="2000" dirty="0" smtClean="0"/>
+              <a:t>continuous integration with Jenkins</a:t>
+            </a:r>
+          </a:p>
+          <a:p>
+            <a:r>
+              <a:rPr lang="en-GB" sz="2000" dirty="0" smtClean="0"/>
+              <a:t>go to c:\jenkins</a:t>
+            </a:r>
+          </a:p>
+          <a:p>
+            <a:r>
+              <a:rPr lang="en-GB" sz="2000" dirty="0" smtClean="0"/>
+              <a:t>java -jar </a:t>
+            </a:r>
+            <a:r>
+              <a:rPr lang="en-GB" sz="2000" dirty="0" err="1" smtClean="0"/>
+              <a:t>jenkins.war</a:t>
+            </a:r>
+            <a:r>
+              <a:rPr lang="en-GB" sz="2000" dirty="0" smtClean="0"/>
+              <a:t> --</a:t>
+            </a:r>
+            <a:r>
+              <a:rPr lang="en-GB" sz="2000" dirty="0" err="1" smtClean="0"/>
+              <a:t>httpsPort</a:t>
+            </a:r>
+            <a:r>
+              <a:rPr lang="en-GB" sz="2000" dirty="0" smtClean="0"/>
+              <a:t>=9090</a:t>
+            </a:r>
+          </a:p>
+          <a:p>
+            <a:r>
+              <a:rPr lang="en-GB" sz="2000" dirty="0" smtClean="0"/>
+              <a:t>go to localhost:9090</a:t>
+            </a:r>
+          </a:p>
+          <a:p>
+            <a:r>
+              <a:rPr lang="en-GB" sz="2000" dirty="0" smtClean="0"/>
+              <a:t>login</a:t>
+            </a:r>
+          </a:p>
+          <a:p>
+            <a:endParaRPr lang="en-GB" sz="2000" dirty="0" smtClean="0"/>
+          </a:p>
+          <a:p>
+            <a:r>
+              <a:rPr lang="en-GB" sz="2000" dirty="0" smtClean="0"/>
+              <a:t>if </a:t>
+            </a:r>
+            <a:r>
+              <a:rPr lang="en-GB" sz="2000" dirty="0" err="1" smtClean="0"/>
+              <a:t>jenkins</a:t>
+            </a:r>
+            <a:r>
+              <a:rPr lang="en-GB" sz="2000" dirty="0" smtClean="0"/>
+              <a:t> not working</a:t>
+            </a:r>
+          </a:p>
+          <a:p>
+            <a:r>
+              <a:rPr lang="en-GB" sz="2000" dirty="0" smtClean="0"/>
+              <a:t>Restart Jenkins service by doing below</a:t>
+            </a:r>
+          </a:p>
+          <a:p>
+            <a:r>
+              <a:rPr lang="en-GB" sz="2000" dirty="0" smtClean="0"/>
+              <a:t>Just restart the Jenkins service after you changed the port in jenkins.xml.</a:t>
+            </a:r>
+          </a:p>
+          <a:p>
+            <a:r>
+              <a:rPr lang="en-GB" sz="2000" dirty="0" smtClean="0"/>
+              <a:t>Press Win + R</a:t>
+            </a:r>
+          </a:p>
+          <a:p>
+            <a:r>
+              <a:rPr lang="en-GB" sz="2000" dirty="0" smtClean="0"/>
+              <a:t>Type "services.msc"</a:t>
+            </a:r>
+          </a:p>
+          <a:p>
+            <a:r>
+              <a:rPr lang="en-GB" sz="2000" dirty="0" smtClean="0"/>
+              <a:t>Right click on the "Jenkins" line &gt; Restart</a:t>
+            </a:r>
+          </a:p>
+          <a:p>
+            <a:r>
+              <a:rPr lang="en-GB" sz="2000" dirty="0" smtClean="0"/>
+              <a:t>Type http://localhost:9090</a:t>
+            </a:r>
+          </a:p>
+        </p:txBody>
+      </p:sp>
+    </p:spTree>
+  </p:cSld>
+  <p:clrMapOvr>
+    <a:masterClrMapping/>
+  </p:clrMapOvr>
+</p:sld>
+</file>
+
+<file path=ppt/slides/slide7.xml><?xml version="1.0" encoding="utf-8"?>
+<p:sld xmlns:a="http://schemas.openxmlformats.org/drawingml/2006/main" xmlns:r="http://schemas.openxmlformats.org/officeDocument/2006/relationships" xmlns:p="http://schemas.openxmlformats.org/presentationml/2006/main">
+  <p:cSld>
+    <p:spTree>
+      <p:nvGrpSpPr>
+        <p:cNvPr id="1" name=""/>
+        <p:cNvGrpSpPr/>
+        <p:nvPr/>
+      </p:nvGrpSpPr>
+      <p:grpSpPr>
+        <a:xfrm>
+          <a:off x="0" y="0"/>
+          <a:ext cx="0" cy="0"/>
+          <a:chOff x="0" y="0"/>
+          <a:chExt cx="0" cy="0"/>
+        </a:xfrm>
+      </p:grpSpPr>
+      <p:sp>
+        <p:nvSpPr>
+          <p:cNvPr id="2" name="Title 1"/>
+          <p:cNvSpPr>
+            <a:spLocks noGrp="1"/>
+          </p:cNvSpPr>
+          <p:nvPr>
+            <p:ph type="ctrTitle"/>
+          </p:nvPr>
+        </p:nvSpPr>
+        <p:spPr>
+          <a:xfrm>
+            <a:off x="1835696" y="1628800"/>
+            <a:ext cx="6477000" cy="1828800"/>
+          </a:xfrm>
+        </p:spPr>
+        <p:txBody>
+          <a:bodyPr>
+            <a:normAutofit fontScale="90000"/>
+          </a:bodyPr>
+          <a:lstStyle/>
+          <a:p>
+            <a:r>
+              <a:rPr lang="en-GB" dirty="0" smtClean="0"/>
+              <a:t>How to give a global option for </a:t>
+            </a:r>
+            <a:r>
+              <a:rPr lang="en-GB" dirty="0" err="1" smtClean="0"/>
+              <a:t>mavan</a:t>
+            </a:r>
+            <a:r>
+              <a:rPr lang="en-GB" dirty="0" smtClean="0"/>
+              <a:t> in global options to stop on a fail(by default maven does not stop on fail)</a:t>
+            </a:r>
+            <a:endParaRPr lang="en-GB" dirty="0"/>
+          </a:p>
+        </p:txBody>
+      </p:sp>
+      <p:sp>
+        <p:nvSpPr>
+          <p:cNvPr id="3" name="Subtitle 2"/>
+          <p:cNvSpPr>
+            <a:spLocks noGrp="1"/>
+          </p:cNvSpPr>
+          <p:nvPr>
+            <p:ph type="subTitle" idx="1"/>
+          </p:nvPr>
+        </p:nvSpPr>
+        <p:spPr>
+          <a:xfrm>
+            <a:off x="2195736" y="4293096"/>
+            <a:ext cx="6705600" cy="1621904"/>
+          </a:xfrm>
+        </p:spPr>
+        <p:txBody>
+          <a:bodyPr>
+            <a:normAutofit/>
+          </a:bodyPr>
+          <a:lstStyle/>
+          <a:p>
+            <a:r>
+              <a:rPr lang="en-GB" dirty="0" smtClean="0"/>
+              <a:t>Go to </a:t>
+            </a:r>
+            <a:r>
+              <a:rPr lang="en-GB" dirty="0" err="1" smtClean="0"/>
+              <a:t>config</a:t>
+            </a:r>
+            <a:r>
+              <a:rPr lang="en-GB" smtClean="0"/>
+              <a:t> and click build maven opts</a:t>
+            </a:r>
+          </a:p>
+          <a:p>
+            <a:r>
+              <a:rPr lang="en-GB" smtClean="0"/>
+              <a:t>The </a:t>
+            </a:r>
+            <a:r>
+              <a:rPr lang="en-GB" dirty="0" smtClean="0"/>
+              <a:t>global options for Maven should be set to -</a:t>
+            </a:r>
+            <a:r>
+              <a:rPr lang="en-GB" dirty="0" err="1" smtClean="0"/>
+              <a:t>Dmaven.test.failure.ignore</a:t>
+            </a:r>
+            <a:r>
+              <a:rPr lang="en-GB" dirty="0" smtClean="0"/>
+              <a:t>=false</a:t>
+            </a:r>
+          </a:p>
+          <a:p>
+            <a:endParaRPr lang="en-GB" dirty="0"/>
+          </a:p>
+        </p:txBody>
+      </p:sp>
+    </p:spTree>
+  </p:cSld>
+  <p:clrMapOvr>
+    <a:masterClrMapping/>
+  </p:clrMapOvr>
+</p:sld>
+</file>
+
+<file path=ppt/slides/slide8.xml><?xml version="1.0" encoding="utf-8"?>
+<p:sld xmlns:a="http://schemas.openxmlformats.org/drawingml/2006/main" xmlns:r="http://schemas.openxmlformats.org/officeDocument/2006/relationships" xmlns:p="http://schemas.openxmlformats.org/presentationml/2006/main">
+  <p:cSld>
+    <p:spTree>
+      <p:nvGrpSpPr>
+        <p:cNvPr id="1" name=""/>
+        <p:cNvGrpSpPr/>
+        <p:nvPr/>
+      </p:nvGrpSpPr>
+      <p:grpSpPr>
+        <a:xfrm>
+          <a:off x="0" y="0"/>
+          <a:ext cx="0" cy="0"/>
+          <a:chOff x="0" y="0"/>
+          <a:chExt cx="0" cy="0"/>
+        </a:xfrm>
+      </p:grpSpPr>
+      <p:sp>
+        <p:nvSpPr>
+          <p:cNvPr id="2" name="Title 1"/>
+          <p:cNvSpPr>
+            <a:spLocks noGrp="1"/>
+          </p:cNvSpPr>
+          <p:nvPr>
+            <p:ph type="ctrTitle"/>
+          </p:nvPr>
+        </p:nvSpPr>
+        <p:spPr>
+          <a:xfrm>
+            <a:off x="971600" y="0"/>
+            <a:ext cx="6477000" cy="820688"/>
+          </a:xfrm>
+        </p:spPr>
+        <p:txBody>
+          <a:bodyPr>
+            <a:normAutofit/>
+          </a:bodyPr>
+          <a:lstStyle/>
+          <a:p>
+            <a:r>
+              <a:rPr lang="en-US" sz="2400" dirty="0" smtClean="0"/>
+              <a:t>CONTINUED….</a:t>
+            </a:r>
+            <a:endParaRPr lang="en-GB" sz="2400" dirty="0"/>
+          </a:p>
+        </p:txBody>
+      </p:sp>
+      <p:sp>
+        <p:nvSpPr>
+          <p:cNvPr id="3" name="Subtitle 2"/>
+          <p:cNvSpPr>
+            <a:spLocks noGrp="1"/>
+          </p:cNvSpPr>
+          <p:nvPr>
+            <p:ph type="subTitle" idx="1"/>
+          </p:nvPr>
+        </p:nvSpPr>
+        <p:spPr>
+          <a:xfrm>
+            <a:off x="1475656" y="836712"/>
+            <a:ext cx="6705600" cy="5328592"/>
+          </a:xfrm>
+        </p:spPr>
+        <p:txBody>
+          <a:bodyPr>
+            <a:normAutofit fontScale="70000" lnSpcReduction="20000"/>
+          </a:bodyPr>
+          <a:lstStyle/>
+          <a:p>
+            <a:r>
+              <a:rPr lang="en-GB" sz="2800" dirty="0" smtClean="0"/>
+              <a:t>(make sure you have changed jenkins.xml file in </a:t>
+            </a:r>
+            <a:r>
+              <a:rPr lang="en-GB" sz="2800" dirty="0" err="1" smtClean="0"/>
+              <a:t>jenkins</a:t>
+            </a:r>
+            <a:r>
+              <a:rPr lang="en-GB" sz="2800" dirty="0" smtClean="0"/>
+              <a:t> </a:t>
+            </a:r>
+            <a:r>
+              <a:rPr lang="en-GB" sz="2800" dirty="0" err="1" smtClean="0"/>
+              <a:t>forlder</a:t>
+            </a:r>
+            <a:r>
+              <a:rPr lang="en-GB" sz="2800" dirty="0" smtClean="0"/>
+              <a:t> the local port)</a:t>
+            </a:r>
+          </a:p>
+          <a:p>
+            <a:r>
+              <a:rPr lang="en-GB" sz="2800" dirty="0" smtClean="0"/>
+              <a:t>login with sebkun2 and password </a:t>
+            </a:r>
+            <a:r>
+              <a:rPr lang="en-GB" sz="2800" dirty="0" err="1" smtClean="0"/>
+              <a:t>abc</a:t>
+            </a:r>
+            <a:endParaRPr lang="en-GB" sz="2800" dirty="0" smtClean="0"/>
+          </a:p>
+          <a:p>
+            <a:r>
+              <a:rPr lang="en-GB" sz="2800" dirty="0" smtClean="0"/>
+              <a:t>(make sure </a:t>
+            </a:r>
+            <a:r>
+              <a:rPr lang="en-GB" sz="2800" dirty="0" err="1" smtClean="0"/>
+              <a:t>jenkins</a:t>
+            </a:r>
+            <a:r>
+              <a:rPr lang="en-GB" sz="2800" dirty="0" smtClean="0"/>
+              <a:t> has </a:t>
+            </a:r>
+            <a:r>
+              <a:rPr lang="en-GB" sz="2800" dirty="0" err="1" smtClean="0"/>
+              <a:t>gitplugin</a:t>
+            </a:r>
+            <a:r>
+              <a:rPr lang="en-GB" sz="2800" dirty="0" smtClean="0"/>
+              <a:t> or install it and restart </a:t>
+            </a:r>
+            <a:r>
+              <a:rPr lang="en-GB" sz="2800" dirty="0" err="1" smtClean="0"/>
+              <a:t>jenkins</a:t>
+            </a:r>
+            <a:r>
+              <a:rPr lang="en-GB" sz="2800" dirty="0" smtClean="0"/>
+              <a:t>)</a:t>
+            </a:r>
+          </a:p>
+          <a:p>
+            <a:r>
+              <a:rPr lang="en-GB" sz="2800" dirty="0" err="1" smtClean="0"/>
+              <a:t>goto</a:t>
+            </a:r>
+            <a:r>
+              <a:rPr lang="en-GB" sz="2800" dirty="0" smtClean="0"/>
+              <a:t> manage </a:t>
+            </a:r>
+            <a:r>
+              <a:rPr lang="en-GB" sz="2800" dirty="0" err="1" smtClean="0"/>
+              <a:t>jenkins</a:t>
+            </a:r>
+            <a:r>
+              <a:rPr lang="en-GB" sz="2800" dirty="0" smtClean="0"/>
+              <a:t>&gt;configure system&gt;search available plugin and install</a:t>
+            </a:r>
+          </a:p>
+          <a:p>
+            <a:r>
+              <a:rPr lang="en-GB" sz="2800" dirty="0" smtClean="0"/>
+              <a:t>configure </a:t>
+            </a:r>
+            <a:r>
+              <a:rPr lang="en-GB" sz="2800" dirty="0" err="1" smtClean="0"/>
+              <a:t>appache</a:t>
+            </a:r>
+            <a:r>
+              <a:rPr lang="en-GB" sz="2800" dirty="0" smtClean="0"/>
+              <a:t> maven</a:t>
+            </a:r>
+          </a:p>
+          <a:p>
+            <a:r>
+              <a:rPr lang="en-GB" sz="2800" dirty="0" smtClean="0"/>
+              <a:t>http://localhost:9090/configureTools/</a:t>
+            </a:r>
+          </a:p>
+          <a:p>
+            <a:r>
+              <a:rPr lang="en-GB" sz="2800" dirty="0" smtClean="0"/>
+              <a:t>make sure </a:t>
+            </a:r>
+            <a:r>
+              <a:rPr lang="en-GB" sz="2800" dirty="0" err="1" smtClean="0"/>
+              <a:t>jdk</a:t>
+            </a:r>
+            <a:r>
+              <a:rPr lang="en-GB" sz="2800" dirty="0" smtClean="0"/>
+              <a:t> is in correct path </a:t>
+            </a:r>
+          </a:p>
+          <a:p>
+            <a:r>
+              <a:rPr lang="en-GB" sz="2800" dirty="0" smtClean="0"/>
+              <a:t>name: C:\Program Files\Java\jdk1.8.0_101</a:t>
+            </a:r>
+          </a:p>
+          <a:p>
+            <a:r>
+              <a:rPr lang="en-GB" sz="2800" dirty="0" err="1" smtClean="0"/>
+              <a:t>javahome</a:t>
+            </a:r>
+            <a:r>
+              <a:rPr lang="en-GB" sz="2800" dirty="0" smtClean="0"/>
+              <a:t> : C:\Program Files\Java\jdk1.8.0_101</a:t>
+            </a:r>
+          </a:p>
+          <a:p>
+            <a:r>
+              <a:rPr lang="en-GB" sz="2800" dirty="0" smtClean="0"/>
+              <a:t>uncheck install automatically</a:t>
+            </a:r>
+          </a:p>
+          <a:p>
+            <a:endParaRPr lang="en-GB" sz="2800" dirty="0" smtClean="0"/>
+          </a:p>
+          <a:p>
+            <a:r>
+              <a:rPr lang="en-GB" sz="2800" dirty="0" smtClean="0"/>
+              <a:t>then go to maven side</a:t>
+            </a:r>
+          </a:p>
+          <a:p>
+            <a:r>
+              <a:rPr lang="en-GB" sz="2800" dirty="0" err="1" smtClean="0"/>
+              <a:t>manven</a:t>
+            </a:r>
+            <a:r>
+              <a:rPr lang="en-GB" sz="2800" dirty="0" smtClean="0"/>
+              <a:t> name M2_HOME</a:t>
+            </a:r>
+          </a:p>
+          <a:p>
+            <a:r>
+              <a:rPr lang="en-GB" sz="2800" dirty="0" smtClean="0"/>
+              <a:t>MAVEN_HOME = D:\apache-maven-3.3.9</a:t>
+            </a:r>
+          </a:p>
+          <a:p>
+            <a:endParaRPr lang="en-GB" dirty="0"/>
+          </a:p>
+        </p:txBody>
+      </p:sp>
+    </p:spTree>
+  </p:cSld>
+  <p:clrMapOvr>
+    <a:masterClrMapping/>
+  </p:clrMapOvr>
+</p:sld>
+</file>
+
+<file path=ppt/slides/slide9.xml><?xml version="1.0" encoding="utf-8"?>
+<p:sld xmlns:a="http://schemas.openxmlformats.org/drawingml/2006/main" xmlns:r="http://schemas.openxmlformats.org/officeDocument/2006/relationships" xmlns:p="http://schemas.openxmlformats.org/presentationml/2006/main">
+  <p:cSld>
+    <p:spTree>
+      <p:nvGrpSpPr>
+        <p:cNvPr id="1" name=""/>
+        <p:cNvGrpSpPr/>
+        <p:nvPr/>
+      </p:nvGrpSpPr>
+      <p:grpSpPr>
+        <a:xfrm>
+          <a:off x="0" y="0"/>
+          <a:ext cx="0" cy="0"/>
+          <a:chOff x="0" y="0"/>
+          <a:chExt cx="0" cy="0"/>
+        </a:xfrm>
+      </p:grpSpPr>
+      <p:sp>
+        <p:nvSpPr>
+          <p:cNvPr id="2" name="Title 1"/>
+          <p:cNvSpPr>
+            <a:spLocks noGrp="1"/>
+          </p:cNvSpPr>
+          <p:nvPr>
+            <p:ph type="ctrTitle"/>
+          </p:nvPr>
+        </p:nvSpPr>
+        <p:spPr>
+          <a:xfrm>
+            <a:off x="1979712" y="188640"/>
+            <a:ext cx="6477000" cy="1828800"/>
+          </a:xfrm>
+        </p:spPr>
+        <p:txBody>
+          <a:bodyPr/>
+          <a:lstStyle/>
+          <a:p>
+            <a:r>
+              <a:rPr lang="en-GB" dirty="0" smtClean="0"/>
+              <a:t>How to restart </a:t>
+            </a:r>
+            <a:r>
+              <a:rPr lang="en-GB" dirty="0" err="1" smtClean="0"/>
+              <a:t>jenkins</a:t>
+            </a:r>
+            <a:r>
+              <a:rPr lang="en-GB" dirty="0" smtClean="0"/>
+              <a:t> in windows</a:t>
+            </a:r>
+            <a:endParaRPr lang="en-GB" dirty="0"/>
+          </a:p>
+        </p:txBody>
+      </p:sp>
+      <p:sp>
+        <p:nvSpPr>
+          <p:cNvPr id="3" name="Subtitle 2"/>
+          <p:cNvSpPr>
+            <a:spLocks noGrp="1"/>
+          </p:cNvSpPr>
+          <p:nvPr>
+            <p:ph type="subTitle" idx="1"/>
+          </p:nvPr>
+        </p:nvSpPr>
+        <p:spPr>
+          <a:xfrm>
+            <a:off x="2438400" y="1700808"/>
+            <a:ext cx="6705600" cy="3666877"/>
+          </a:xfrm>
+        </p:spPr>
+        <p:txBody>
+          <a:bodyPr>
+            <a:normAutofit fontScale="85000" lnSpcReduction="20000"/>
+          </a:bodyPr>
+          <a:lstStyle/>
+          <a:p>
+            <a:pPr fontAlgn="t"/>
+            <a:r>
+              <a:rPr lang="en-GB" dirty="0" smtClean="0"/>
+              <a:t/>
+            </a:r>
+            <a:br>
+              <a:rPr lang="en-GB" dirty="0" smtClean="0"/>
+            </a:br>
+            <a:endParaRPr lang="en-GB" dirty="0" smtClean="0"/>
+          </a:p>
+          <a:p>
+            <a:pPr fontAlgn="t"/>
+            <a:r>
+              <a:rPr lang="en-GB" dirty="0" smtClean="0"/>
+              <a:t>Restart Jenkins service</a:t>
+            </a:r>
+          </a:p>
+          <a:p>
+            <a:pPr fontAlgn="t"/>
+            <a:r>
+              <a:rPr lang="en-GB" dirty="0" smtClean="0"/>
+              <a:t>Just </a:t>
+            </a:r>
+            <a:r>
+              <a:rPr lang="en-GB" b="1" dirty="0" smtClean="0"/>
+              <a:t>restart</a:t>
+            </a:r>
+            <a:r>
+              <a:rPr lang="en-GB" dirty="0" smtClean="0"/>
+              <a:t> the </a:t>
+            </a:r>
+            <a:r>
+              <a:rPr lang="en-GB" b="1" dirty="0" smtClean="0"/>
+              <a:t>Jenkins service</a:t>
+            </a:r>
+            <a:r>
+              <a:rPr lang="en-GB" dirty="0" smtClean="0"/>
+              <a:t> after you changed the port in </a:t>
+            </a:r>
+            <a:r>
+              <a:rPr lang="en-GB" b="1" dirty="0" smtClean="0"/>
+              <a:t>jenkins.xml</a:t>
+            </a:r>
+            <a:r>
+              <a:rPr lang="en-GB" dirty="0" smtClean="0"/>
+              <a:t>.</a:t>
+            </a:r>
+          </a:p>
+          <a:p>
+            <a:pPr fontAlgn="t"/>
+            <a:r>
+              <a:rPr lang="en-GB" dirty="0" smtClean="0"/>
+              <a:t>Press Win + R</a:t>
+            </a:r>
+          </a:p>
+          <a:p>
+            <a:pPr fontAlgn="t"/>
+            <a:r>
+              <a:rPr lang="en-GB" dirty="0" smtClean="0"/>
+              <a:t>Type "services.msc"</a:t>
+            </a:r>
+          </a:p>
+          <a:p>
+            <a:pPr fontAlgn="t"/>
+            <a:r>
+              <a:rPr lang="en-GB" dirty="0" smtClean="0"/>
+              <a:t>Right click on the "Jenkins" line &gt; Restart</a:t>
+            </a:r>
+          </a:p>
+          <a:p>
+            <a:pPr fontAlgn="t"/>
+            <a:r>
+              <a:rPr lang="en-GB" dirty="0" smtClean="0"/>
+              <a:t>Type http://localhost:9090</a:t>
+            </a:r>
+          </a:p>
+          <a:p>
+            <a:pPr fontAlgn="t"/>
+            <a:r>
+              <a:rPr lang="en-GB" dirty="0" smtClean="0"/>
+              <a:t>(make sure you have changed jenkins.xml file in </a:t>
+            </a:r>
+            <a:r>
+              <a:rPr lang="en-GB" dirty="0" err="1" smtClean="0"/>
+              <a:t>jenkins</a:t>
+            </a:r>
+            <a:r>
+              <a:rPr lang="en-GB" dirty="0" smtClean="0"/>
+              <a:t> </a:t>
+            </a:r>
+            <a:r>
+              <a:rPr lang="en-GB" dirty="0" err="1" smtClean="0"/>
+              <a:t>forlder</a:t>
+            </a:r>
+            <a:r>
+              <a:rPr lang="en-GB" dirty="0" smtClean="0"/>
+              <a:t> the local port)</a:t>
+            </a:r>
+          </a:p>
+          <a:p>
             <a:endParaRPr lang="en-GB" dirty="0"/>
           </a:p>
         </p:txBody>
